--- a/PPT/PPT ECG Final.pptx
+++ b/PPT/PPT ECG Final.pptx
@@ -264,7 +264,7 @@
           <a:p>
             <a:fld id="{48A87A34-81AB-432B-8DAE-1953F412C126}" type="datetimeFigureOut">
               <a:rPr lang="en-US" dirty="0"/>
-              <a:t>9/2/2022</a:t>
+              <a:t>9/8/2022</a:t>
             </a:fld>
             <a:endParaRPr lang="en-US" dirty="0"/>
           </a:p>
@@ -439,7 +439,7 @@
           <a:p>
             <a:fld id="{48A87A34-81AB-432B-8DAE-1953F412C126}" type="datetimeFigureOut">
               <a:rPr lang="en-US" dirty="0"/>
-              <a:t>9/2/2022</a:t>
+              <a:t>9/8/2022</a:t>
             </a:fld>
             <a:endParaRPr lang="en-US" dirty="0"/>
           </a:p>
@@ -618,7 +618,7 @@
           <a:p>
             <a:fld id="{48A87A34-81AB-432B-8DAE-1953F412C126}" type="datetimeFigureOut">
               <a:rPr lang="en-US" dirty="0"/>
-              <a:t>9/2/2022</a:t>
+              <a:t>9/8/2022</a:t>
             </a:fld>
             <a:endParaRPr lang="en-US" dirty="0"/>
           </a:p>
@@ -783,7 +783,7 @@
           <a:p>
             <a:fld id="{48A87A34-81AB-432B-8DAE-1953F412C126}" type="datetimeFigureOut">
               <a:rPr lang="en-US" dirty="0"/>
-              <a:t>9/2/2022</a:t>
+              <a:t>9/8/2022</a:t>
             </a:fld>
             <a:endParaRPr lang="en-US" dirty="0"/>
           </a:p>
@@ -1026,7 +1026,7 @@
           <a:p>
             <a:fld id="{48A87A34-81AB-432B-8DAE-1953F412C126}" type="datetimeFigureOut">
               <a:rPr lang="en-US" dirty="0"/>
-              <a:t>9/2/2022</a:t>
+              <a:t>9/8/2022</a:t>
             </a:fld>
             <a:endParaRPr lang="en-US" dirty="0"/>
           </a:p>
@@ -1258,7 +1258,7 @@
           <a:p>
             <a:fld id="{48A87A34-81AB-432B-8DAE-1953F412C126}" type="datetimeFigureOut">
               <a:rPr lang="en-US" dirty="0"/>
-              <a:t>9/2/2022</a:t>
+              <a:t>9/8/2022</a:t>
             </a:fld>
             <a:endParaRPr lang="en-US" dirty="0"/>
           </a:p>
@@ -1638,7 +1638,7 @@
           <a:p>
             <a:fld id="{48A87A34-81AB-432B-8DAE-1953F412C126}" type="datetimeFigureOut">
               <a:rPr lang="en-US" dirty="0"/>
-              <a:t>9/2/2022</a:t>
+              <a:t>9/8/2022</a:t>
             </a:fld>
             <a:endParaRPr lang="en-US" dirty="0"/>
           </a:p>
@@ -1751,7 +1751,7 @@
           <a:p>
             <a:fld id="{48A87A34-81AB-432B-8DAE-1953F412C126}" type="datetimeFigureOut">
               <a:rPr lang="en-US" dirty="0"/>
-              <a:t>9/2/2022</a:t>
+              <a:t>9/8/2022</a:t>
             </a:fld>
             <a:endParaRPr lang="en-US" dirty="0"/>
           </a:p>
@@ -1841,7 +1841,7 @@
           <a:p>
             <a:fld id="{48A87A34-81AB-432B-8DAE-1953F412C126}" type="datetimeFigureOut">
               <a:rPr lang="en-US" dirty="0"/>
-              <a:t>9/2/2022</a:t>
+              <a:t>9/8/2022</a:t>
             </a:fld>
             <a:endParaRPr lang="en-US" dirty="0"/>
           </a:p>
@@ -2087,7 +2087,7 @@
           <a:p>
             <a:fld id="{48A87A34-81AB-432B-8DAE-1953F412C126}" type="datetimeFigureOut">
               <a:rPr lang="en-US" dirty="0"/>
-              <a:t>9/2/2022</a:t>
+              <a:t>9/8/2022</a:t>
             </a:fld>
             <a:endParaRPr lang="en-US" dirty="0"/>
           </a:p>
@@ -2474,7 +2474,7 @@
             <a:fld id="{48A87A34-81AB-432B-8DAE-1953F412C126}" type="datetimeFigureOut">
               <a:rPr lang="en-US" dirty="0"/>
               <a:pPr/>
-              <a:t>9/2/2022</a:t>
+              <a:t>9/8/2022</a:t>
             </a:fld>
             <a:endParaRPr lang="en-US" dirty="0"/>
           </a:p>
@@ -2688,7 +2688,7 @@
             <a:fld id="{48A87A34-81AB-432B-8DAE-1953F412C126}" type="datetimeFigureOut">
               <a:rPr lang="en-US" dirty="0"/>
               <a:pPr/>
-              <a:t>9/2/2022</a:t>
+              <a:t>9/8/2022</a:t>
             </a:fld>
             <a:endParaRPr lang="en-US" dirty="0"/>
           </a:p>
@@ -4464,16 +4464,14 @@
               <a:buChar char="•"/>
             </a:pPr>
             <a:r>
-              <a:rPr lang="es-UY" sz="1800" u="sng" dirty="0">
+              <a:rPr lang="es-UY" u="sng" dirty="0">
                 <a:solidFill>
                   <a:schemeClr val="accent1">
                     <a:lumMod val="60000"/>
                     <a:lumOff val="40000"/>
                   </a:schemeClr>
                 </a:solidFill>
-                <a:effectLst/>
                 <a:latin typeface="Calibri" panose="020F0502020204030204" pitchFamily="34" charset="0"/>
-                <a:ea typeface="Calibri" panose="020F0502020204030204" pitchFamily="34" charset="0"/>
                 <a:cs typeface="Arial" panose="020B0604020202020204" pitchFamily="34" charset="0"/>
                 <a:hlinkClick r:id="rId2">
                   <a:extLst>
@@ -4486,30 +4484,26 @@
               <a:t>https://www.my-ekg.com/generalidades-ekg/papel-ekg.html</a:t>
             </a:r>
             <a:r>
-              <a:rPr lang="es-UY" sz="1800" dirty="0">
+              <a:rPr lang="es-UY" u="sng" dirty="0">
                 <a:solidFill>
                   <a:schemeClr val="accent1">
                     <a:lumMod val="60000"/>
                     <a:lumOff val="40000"/>
                   </a:schemeClr>
                 </a:solidFill>
-                <a:effectLst/>
                 <a:latin typeface="Calibri" panose="020F0502020204030204" pitchFamily="34" charset="0"/>
-                <a:ea typeface="Calibri" panose="020F0502020204030204" pitchFamily="34" charset="0"/>
                 <a:cs typeface="Arial" panose="020B0604020202020204" pitchFamily="34" charset="0"/>
               </a:rPr>
               <a:t> </a:t>
             </a:r>
-            <a:endParaRPr lang="en-US" sz="1800" dirty="0">
+            <a:endParaRPr lang="en-US" u="sng" dirty="0">
               <a:solidFill>
                 <a:schemeClr val="accent1">
                   <a:lumMod val="60000"/>
                   <a:lumOff val="40000"/>
                 </a:schemeClr>
               </a:solidFill>
-              <a:effectLst/>
               <a:latin typeface="Calibri" panose="020F0502020204030204" pitchFamily="34" charset="0"/>
-              <a:ea typeface="Calibri" panose="020F0502020204030204" pitchFamily="34" charset="0"/>
               <a:cs typeface="Arial" panose="020B0604020202020204" pitchFamily="34" charset="0"/>
             </a:endParaRPr>
           </a:p>
@@ -4530,7 +4524,7 @@
         <p:spPr>
           <a:xfrm>
             <a:off x="3044537" y="3771275"/>
-            <a:ext cx="6102926" cy="1366015"/>
+            <a:ext cx="6102926" cy="1070871"/>
           </a:xfrm>
           <a:prstGeom prst="rect">
             <a:avLst/>
@@ -4582,32 +4576,18 @@
               <a:buChar char="•"/>
             </a:pPr>
             <a:r>
-              <a:rPr lang="en-US" sz="1800" dirty="0">
+              <a:rPr lang="en-US" u="sng" dirty="0">
                 <a:solidFill>
                   <a:schemeClr val="accent1">
                     <a:lumMod val="60000"/>
                     <a:lumOff val="40000"/>
                   </a:schemeClr>
                 </a:solidFill>
-                <a:effectLst/>
-                <a:latin typeface="Raleway" pitchFamily="2" charset="0"/>
-                <a:ea typeface="Times New Roman" panose="02020603050405020304" pitchFamily="18" charset="0"/>
-                <a:cs typeface="Times New Roman" panose="02020603050405020304" pitchFamily="18" charset="0"/>
+                <a:latin typeface="Calibri" panose="020F0502020204030204" pitchFamily="34" charset="0"/>
+                <a:cs typeface="Arial" panose="020B0604020202020204" pitchFamily="34" charset="0"/>
               </a:rPr>
               <a:t>https://www.kaggle.com/code/residentmario/undersampling-and-oversampling-imbalanced-data/notebook</a:t>
             </a:r>
-            <a:endParaRPr lang="en-US" sz="1400" dirty="0">
-              <a:solidFill>
-                <a:schemeClr val="accent1">
-                  <a:lumMod val="60000"/>
-                  <a:lumOff val="40000"/>
-                </a:schemeClr>
-              </a:solidFill>
-              <a:effectLst/>
-              <a:latin typeface="Calibri" panose="020F0502020204030204" pitchFamily="34" charset="0"/>
-              <a:ea typeface="Calibri" panose="020F0502020204030204" pitchFamily="34" charset="0"/>
-              <a:cs typeface="Arial" panose="020B0604020202020204" pitchFamily="34" charset="0"/>
-            </a:endParaRPr>
           </a:p>
         </p:txBody>
       </p:sp>
@@ -4650,17 +4630,15 @@
               <a:buChar char="•"/>
             </a:pPr>
             <a:r>
-              <a:rPr lang="en-US" sz="1800" u="sng" dirty="0">
+              <a:rPr lang="en-US" u="sng" dirty="0">
                 <a:solidFill>
                   <a:schemeClr val="accent1">
                     <a:lumMod val="60000"/>
                     <a:lumOff val="40000"/>
                   </a:schemeClr>
                 </a:solidFill>
-                <a:effectLst/>
-                <a:latin typeface="Raleway" pitchFamily="2" charset="0"/>
-                <a:ea typeface="Times New Roman" panose="02020603050405020304" pitchFamily="18" charset="0"/>
-                <a:cs typeface="Times New Roman" panose="02020603050405020304" pitchFamily="18" charset="0"/>
+                <a:latin typeface="Calibri" panose="020F0502020204030204" pitchFamily="34" charset="0"/>
+                <a:cs typeface="Arial" panose="020B0604020202020204" pitchFamily="34" charset="0"/>
                 <a:hlinkClick r:id="rId3">
                   <a:extLst>
                     <a:ext uri="{A12FA001-AC4F-418D-AE19-62706E023703}">
@@ -4669,31 +4647,16 @@
                   </a:extLst>
                 </a:hlinkClick>
               </a:rPr>
-              <a:t>https://www.aprendemachinelearning.com/clasificacion-con-datos-desbalanceado</a:t>
-            </a:r>
-            <a:r>
-              <a:rPr lang="en-US" sz="1800" u="sng" dirty="0">
-                <a:solidFill>
-                  <a:srgbClr val="FBAE29"/>
-                </a:solidFill>
-                <a:effectLst/>
-                <a:latin typeface="Raleway" pitchFamily="2" charset="0"/>
-                <a:ea typeface="Times New Roman" panose="02020603050405020304" pitchFamily="18" charset="0"/>
-                <a:cs typeface="Times New Roman" panose="02020603050405020304" pitchFamily="18" charset="0"/>
-                <a:hlinkClick r:id="rId3">
-                  <a:extLst>
-                    <a:ext uri="{A12FA001-AC4F-418D-AE19-62706E023703}">
-                      <ahyp:hlinkClr xmlns:ahyp="http://schemas.microsoft.com/office/drawing/2018/hyperlinkcolor" val="tx"/>
-                    </a:ext>
-                  </a:extLst>
-                </a:hlinkClick>
-              </a:rPr>
-              <a:t>s/</a:t>
-            </a:r>
-            <a:endParaRPr lang="en-US" sz="1400" dirty="0">
-              <a:effectLst/>
+              <a:t>https://www.aprendemachinelearning.com/clasificacion-con-datos-desbalanceados/</a:t>
+            </a:r>
+            <a:endParaRPr lang="en-US" u="sng" dirty="0">
+              <a:solidFill>
+                <a:schemeClr val="accent1">
+                  <a:lumMod val="60000"/>
+                  <a:lumOff val="40000"/>
+                </a:schemeClr>
+              </a:solidFill>
               <a:latin typeface="Calibri" panose="020F0502020204030204" pitchFamily="34" charset="0"/>
-              <a:ea typeface="Calibri" panose="020F0502020204030204" pitchFamily="34" charset="0"/>
               <a:cs typeface="Arial" panose="020B0604020202020204" pitchFamily="34" charset="0"/>
             </a:endParaRPr>
           </a:p>
